--- a/SAW.pptx
+++ b/SAW.pptx
@@ -120,6 +120,11 @@
       </a:defRPr>
     </a:lvl9pPr>
   </p:defaultTextStyle>
+  <p:extLst>
+    <p:ext uri="{EFAFB233-063F-42B5-8137-9DF3F51BA10A}">
+      <p15:sldGuideLst xmlns:p15="http://schemas.microsoft.com/office/powerpoint/2012/main"/>
+    </p:ext>
+  </p:extLst>
 </p:presentation>
 </file>
 
@@ -397,7 +402,7 @@
           <a:p>
             <a:fld id="{D198F945-F439-4561-9DD1-F6CD37DB9EAC}" type="datetimeFigureOut">
               <a:rPr lang="en-US" smtClean="0"/>
-              <a:t>11/16/2016</a:t>
+              <a:t>12/7/2016</a:t>
             </a:fld>
             <a:endParaRPr lang="en-US"/>
           </a:p>
@@ -811,7 +816,7 @@
           <a:p>
             <a:fld id="{D198F945-F439-4561-9DD1-F6CD37DB9EAC}" type="datetimeFigureOut">
               <a:rPr lang="en-US" smtClean="0"/>
-              <a:t>11/16/2016</a:t>
+              <a:t>12/7/2016</a:t>
             </a:fld>
             <a:endParaRPr lang="en-US"/>
           </a:p>
@@ -1147,7 +1152,7 @@
           <a:p>
             <a:fld id="{D198F945-F439-4561-9DD1-F6CD37DB9EAC}" type="datetimeFigureOut">
               <a:rPr lang="en-US" smtClean="0"/>
-              <a:t>11/16/2016</a:t>
+              <a:t>12/7/2016</a:t>
             </a:fld>
             <a:endParaRPr lang="en-US"/>
           </a:p>
@@ -1552,7 +1557,7 @@
           <a:p>
             <a:fld id="{D198F945-F439-4561-9DD1-F6CD37DB9EAC}" type="datetimeFigureOut">
               <a:rPr lang="en-US" smtClean="0"/>
-              <a:t>11/16/2016</a:t>
+              <a:t>12/7/2016</a:t>
             </a:fld>
             <a:endParaRPr lang="en-US"/>
           </a:p>
@@ -2120,7 +2125,7 @@
           <a:p>
             <a:fld id="{D198F945-F439-4561-9DD1-F6CD37DB9EAC}" type="datetimeFigureOut">
               <a:rPr lang="en-US" smtClean="0"/>
-              <a:t>11/16/2016</a:t>
+              <a:t>12/7/2016</a:t>
             </a:fld>
             <a:endParaRPr lang="en-US"/>
           </a:p>
@@ -2801,7 +2806,7 @@
           <a:p>
             <a:fld id="{D198F945-F439-4561-9DD1-F6CD37DB9EAC}" type="datetimeFigureOut">
               <a:rPr lang="en-US" smtClean="0"/>
-              <a:t>11/16/2016</a:t>
+              <a:t>12/7/2016</a:t>
             </a:fld>
             <a:endParaRPr lang="en-US"/>
           </a:p>
@@ -3714,7 +3719,7 @@
           <a:p>
             <a:fld id="{D198F945-F439-4561-9DD1-F6CD37DB9EAC}" type="datetimeFigureOut">
               <a:rPr lang="en-US" smtClean="0"/>
-              <a:t>11/16/2016</a:t>
+              <a:t>12/7/2016</a:t>
             </a:fld>
             <a:endParaRPr lang="en-US"/>
           </a:p>
@@ -4027,7 +4032,7 @@
           <a:p>
             <a:fld id="{D198F945-F439-4561-9DD1-F6CD37DB9EAC}" type="datetimeFigureOut">
               <a:rPr lang="en-US" smtClean="0"/>
-              <a:t>11/16/2016</a:t>
+              <a:t>12/7/2016</a:t>
             </a:fld>
             <a:endParaRPr lang="en-US"/>
           </a:p>
@@ -4291,7 +4296,7 @@
           <a:p>
             <a:fld id="{D198F945-F439-4561-9DD1-F6CD37DB9EAC}" type="datetimeFigureOut">
               <a:rPr lang="en-US" smtClean="0"/>
-              <a:t>11/16/2016</a:t>
+              <a:t>12/7/2016</a:t>
             </a:fld>
             <a:endParaRPr lang="en-US"/>
           </a:p>
@@ -4614,7 +4619,7 @@
           <a:p>
             <a:fld id="{D198F945-F439-4561-9DD1-F6CD37DB9EAC}" type="datetimeFigureOut">
               <a:rPr lang="en-US" smtClean="0"/>
-              <a:t>11/16/2016</a:t>
+              <a:t>12/7/2016</a:t>
             </a:fld>
             <a:endParaRPr lang="en-US"/>
           </a:p>
@@ -5003,7 +5008,7 @@
           <a:p>
             <a:fld id="{D198F945-F439-4561-9DD1-F6CD37DB9EAC}" type="datetimeFigureOut">
               <a:rPr lang="en-US" smtClean="0"/>
-              <a:t>11/16/2016</a:t>
+              <a:t>12/7/2016</a:t>
             </a:fld>
             <a:endParaRPr lang="en-US"/>
           </a:p>
@@ -5379,7 +5384,7 @@
           <a:p>
             <a:fld id="{D198F945-F439-4561-9DD1-F6CD37DB9EAC}" type="datetimeFigureOut">
               <a:rPr lang="en-US" smtClean="0"/>
-              <a:t>11/16/2016</a:t>
+              <a:t>12/7/2016</a:t>
             </a:fld>
             <a:endParaRPr lang="en-US"/>
           </a:p>
@@ -5885,7 +5890,7 @@
           <a:p>
             <a:fld id="{D198F945-F439-4561-9DD1-F6CD37DB9EAC}" type="datetimeFigureOut">
               <a:rPr lang="en-US" smtClean="0"/>
-              <a:t>11/16/2016</a:t>
+              <a:t>12/7/2016</a:t>
             </a:fld>
             <a:endParaRPr lang="en-US"/>
           </a:p>
@@ -6142,7 +6147,7 @@
           <a:p>
             <a:fld id="{D198F945-F439-4561-9DD1-F6CD37DB9EAC}" type="datetimeFigureOut">
               <a:rPr lang="en-US" smtClean="0"/>
-              <a:t>11/16/2016</a:t>
+              <a:t>12/7/2016</a:t>
             </a:fld>
             <a:endParaRPr lang="en-US"/>
           </a:p>
@@ -6305,7 +6310,7 @@
           <a:p>
             <a:fld id="{D198F945-F439-4561-9DD1-F6CD37DB9EAC}" type="datetimeFigureOut">
               <a:rPr lang="en-US" smtClean="0"/>
-              <a:t>11/16/2016</a:t>
+              <a:t>12/7/2016</a:t>
             </a:fld>
             <a:endParaRPr lang="en-US"/>
           </a:p>
@@ -6695,7 +6700,7 @@
           <a:p>
             <a:fld id="{D198F945-F439-4561-9DD1-F6CD37DB9EAC}" type="datetimeFigureOut">
               <a:rPr lang="en-US" smtClean="0"/>
-              <a:t>11/16/2016</a:t>
+              <a:t>12/7/2016</a:t>
             </a:fld>
             <a:endParaRPr lang="en-US"/>
           </a:p>
@@ -7104,7 +7109,7 @@
           <a:p>
             <a:fld id="{D198F945-F439-4561-9DD1-F6CD37DB9EAC}" type="datetimeFigureOut">
               <a:rPr lang="en-US" smtClean="0"/>
-              <a:t>11/16/2016</a:t>
+              <a:t>12/7/2016</a:t>
             </a:fld>
             <a:endParaRPr lang="en-US"/>
           </a:p>
@@ -7348,7 +7353,7 @@
           <a:p>
             <a:fld id="{D198F945-F439-4561-9DD1-F6CD37DB9EAC}" type="datetimeFigureOut">
               <a:rPr lang="en-US" smtClean="0"/>
-              <a:t>11/16/2016</a:t>
+              <a:t>12/7/2016</a:t>
             </a:fld>
             <a:endParaRPr lang="en-US"/>
           </a:p>
@@ -8494,6 +8499,18 @@
               <a:rPr lang="en-US" dirty="0" err="1" smtClean="0"/>
               <a:t>SmartestSAW</a:t>
             </a:r>
+            <a:r>
+              <a:rPr lang="en-US" dirty="0" smtClean="0"/>
+              <a:t> (</a:t>
+            </a:r>
+            <a:r>
+              <a:rPr lang="en-US" dirty="0" err="1" smtClean="0"/>
+              <a:t>nWalks_per_N</a:t>
+            </a:r>
+            <a:r>
+              <a:rPr lang="en-US" dirty="0" smtClean="0"/>
+              <a:t> = 10; Ns = [100,1000]</a:t>
+            </a:r>
             <a:endParaRPr lang="en-US" dirty="0"/>
           </a:p>
         </p:txBody>
@@ -8513,66 +8530,69 @@
           <a:bodyPr/>
           <a:lstStyle/>
           <a:p>
+            <a:pPr lvl="2"/>
+            <a:endParaRPr lang="en-US" dirty="0"/>
+          </a:p>
+        </p:txBody>
+      </p:sp>
+      <p:pic>
+        <p:nvPicPr>
+          <p:cNvPr id="5" name="Picture 4"/>
+          <p:cNvPicPr>
+            <a:picLocks noChangeAspect="1"/>
+          </p:cNvPicPr>
+          <p:nvPr/>
+        </p:nvPicPr>
+        <p:blipFill>
+          <a:blip r:embed="rId2"/>
+          <a:stretch>
+            <a:fillRect/>
+          </a:stretch>
+        </p:blipFill>
+        <p:spPr>
+          <a:xfrm>
+            <a:off x="2631610" y="1984683"/>
+            <a:ext cx="6574186" cy="3951506"/>
+          </a:xfrm>
+          <a:prstGeom prst="rect">
+            <a:avLst/>
+          </a:prstGeom>
+        </p:spPr>
+      </p:pic>
+      <p:sp>
+        <p:nvSpPr>
+          <p:cNvPr id="6" name="Rectangle 5"/>
+          <p:cNvSpPr/>
+          <p:nvPr/>
+        </p:nvSpPr>
+        <p:spPr>
+          <a:xfrm>
+            <a:off x="4243156" y="5936189"/>
+            <a:ext cx="3190297" cy="369332"/>
+          </a:xfrm>
+          <a:prstGeom prst="rect">
+            <a:avLst/>
+          </a:prstGeom>
+        </p:spPr>
+        <p:txBody>
+          <a:bodyPr wrap="none">
+            <a:spAutoFit/>
+          </a:bodyPr>
+          <a:lstStyle/>
+          <a:p>
+            <a:pPr algn="ctr"/>
+            <a:r>
+              <a:rPr lang="en-US" dirty="0"/>
+              <a:t>Fig. </a:t>
+            </a:r>
             <a:r>
               <a:rPr lang="en-US" dirty="0" smtClean="0"/>
-              <a:t>Unfortunately couldn’t get it to work </a:t>
-            </a:r>
-            <a:r>
-              <a:rPr lang="en-US" dirty="0" smtClean="0">
-                <a:sym typeface="Wingdings" panose="05000000000000000000" pitchFamily="2" charset="2"/>
-              </a:rPr>
-              <a:t></a:t>
-            </a:r>
-          </a:p>
-          <a:p>
-            <a:pPr lvl="1"/>
-            <a:r>
-              <a:rPr lang="en-US" dirty="0" smtClean="0">
-                <a:sym typeface="Wingdings" panose="05000000000000000000" pitchFamily="2" charset="2"/>
-              </a:rPr>
-              <a:t>Currently have rudimentary inefficient algorithm</a:t>
-            </a:r>
-          </a:p>
-          <a:p>
-            <a:pPr lvl="1"/>
-            <a:r>
-              <a:rPr lang="en-US" dirty="0" smtClean="0">
-                <a:sym typeface="Wingdings" panose="05000000000000000000" pitchFamily="2" charset="2"/>
-              </a:rPr>
-              <a:t>Attempt at creating elegant trap-avoidance algorithm</a:t>
-            </a:r>
-          </a:p>
-          <a:p>
-            <a:pPr lvl="2"/>
-            <a:r>
-              <a:rPr lang="en-US" dirty="0" smtClean="0">
-                <a:sym typeface="Wingdings" panose="05000000000000000000" pitchFamily="2" charset="2"/>
-              </a:rPr>
-              <a:t>Called it quits at 2 am</a:t>
-            </a:r>
-          </a:p>
-          <a:p>
-            <a:r>
-              <a:rPr lang="en-US" dirty="0" smtClean="0">
-                <a:sym typeface="Wingdings" panose="05000000000000000000" pitchFamily="2" charset="2"/>
-              </a:rPr>
-              <a:t>Conclusion: not smart enough for </a:t>
-            </a:r>
-            <a:r>
-              <a:rPr lang="en-US" dirty="0" err="1" smtClean="0">
-                <a:sym typeface="Wingdings" panose="05000000000000000000" pitchFamily="2" charset="2"/>
-              </a:rPr>
-              <a:t>SmartestSAW</a:t>
-            </a:r>
-            <a:r>
-              <a:rPr lang="en-US" dirty="0" smtClean="0">
-                <a:sym typeface="Wingdings" panose="05000000000000000000" pitchFamily="2" charset="2"/>
-              </a:rPr>
-              <a:t> </a:t>
-            </a:r>
-          </a:p>
-          <a:p>
-            <a:pPr lvl="2"/>
+              <a:t>11: </a:t>
+            </a:r>
+            <a:r>
+              <a:rPr lang="en-US" dirty="0"/>
+              <a:t>log(&lt;R^2&gt;) vs. log(N)</a:t>
+            </a:r>
             <a:endParaRPr lang="en-US" dirty="0"/>
           </a:p>
         </p:txBody>
@@ -8958,7 +8978,11 @@
             <a:pPr algn="ctr"/>
             <a:r>
               <a:rPr lang="en-US" dirty="0" smtClean="0"/>
-              <a:t>Fig. 11: </a:t>
+              <a:t>Fig. </a:t>
+            </a:r>
+            <a:r>
+              <a:rPr lang="en-US" dirty="0" smtClean="0"/>
+              <a:t>12: </a:t>
             </a:r>
             <a:r>
               <a:rPr lang="en-US" dirty="0" err="1" smtClean="0"/>
@@ -8997,7 +9021,15 @@
             <a:pPr algn="ctr"/>
             <a:r>
               <a:rPr lang="en-US" dirty="0" smtClean="0"/>
-              <a:t>Fig. 12: N vs. </a:t>
+              <a:t>Fig. </a:t>
+            </a:r>
+            <a:r>
+              <a:rPr lang="en-US" smtClean="0"/>
+              <a:t>13: </a:t>
+            </a:r>
+            <a:r>
+              <a:rPr lang="en-US" dirty="0" smtClean="0"/>
+              <a:t>N vs. </a:t>
             </a:r>
             <a:r>
               <a:rPr lang="en-US" dirty="0" err="1" smtClean="0"/>
